--- a/Meetings & Official Documents/20180424_Meeting12.pptx
+++ b/Meetings & Official Documents/20180424_Meeting12.pptx
@@ -5,7 +5,7 @@
     <p:sldMasterId id="2147483648" r:id="rId1"/>
   </p:sldMasterIdLst>
   <p:notesMasterIdLst>
-    <p:notesMasterId r:id="rId26"/>
+    <p:notesMasterId r:id="rId28"/>
   </p:notesMasterIdLst>
   <p:sldIdLst>
     <p:sldId id="256" r:id="rId2"/>
@@ -31,7 +31,9 @@
     <p:sldId id="278" r:id="rId22"/>
     <p:sldId id="281" r:id="rId23"/>
     <p:sldId id="274" r:id="rId24"/>
-    <p:sldId id="282" r:id="rId25"/>
+    <p:sldId id="283" r:id="rId25"/>
+    <p:sldId id="284" r:id="rId26"/>
+    <p:sldId id="285" r:id="rId27"/>
   </p:sldIdLst>
   <p:sldSz cx="12192000" cy="6858000"/>
   <p:notesSz cx="6858000" cy="9144000"/>
@@ -138,6 +140,35 @@
 </p:presentation>
 </file>
 
+<file path=ppt/ink/ink1.xml><?xml version="1.0" encoding="utf-8"?>
+<inkml:ink xmlns:inkml="http://www.w3.org/2003/InkML">
+  <inkml:definitions>
+    <inkml:context xml:id="ctx0">
+      <inkml:inkSource xml:id="inkSrc0">
+        <inkml:traceFormat>
+          <inkml:channel name="X" type="integer" max="1920" units="cm"/>
+          <inkml:channel name="Y" type="integer" max="1080" units="cm"/>
+          <inkml:channel name="T" type="integer" max="2.14748E9" units="dev"/>
+        </inkml:traceFormat>
+        <inkml:channelProperties>
+          <inkml:channelProperty channel="X" name="resolution" value="55.81395" units="1/cm"/>
+          <inkml:channelProperty channel="Y" name="resolution" value="55.6701" units="1/cm"/>
+          <inkml:channelProperty channel="T" name="resolution" value="1" units="1/dev"/>
+        </inkml:channelProperties>
+      </inkml:inkSource>
+      <inkml:timestamp xml:id="ts0" timeString="2018-05-01T12:36:44.499"/>
+    </inkml:context>
+    <inkml:brush xml:id="br0">
+      <inkml:brushProperty name="width" value="0.05292" units="cm"/>
+      <inkml:brushProperty name="height" value="0.05292" units="cm"/>
+      <inkml:brushProperty name="color" value="#92D050"/>
+    </inkml:brush>
+  </inkml:definitions>
+  <inkml:trace contextRef="#ctx0" brushRef="#br0">22948 11183 0</inkml:trace>
+  <inkml:trace contextRef="#ctx0" brushRef="#br0" timeOffset="9543.8817">14799 11095 0</inkml:trace>
+</inkml:ink>
+</file>
+
 <file path=ppt/notesMasters/notesMaster1.xml><?xml version="1.0" encoding="utf-8"?>
 <p:notesMaster xmlns:a="http://schemas.openxmlformats.org/drawingml/2006/main" xmlns:r="http://schemas.openxmlformats.org/officeDocument/2006/relationships" xmlns:p="http://schemas.openxmlformats.org/presentationml/2006/main">
   <p:cSld>
@@ -486,6 +517,123 @@
     </a:lvl9pPr>
   </p:notesStyle>
 </p:notesMaster>
+</file>
+
+<file path=ppt/notesSlides/notesSlide1.xml><?xml version="1.0" encoding="utf-8"?>
+<p:notes xmlns:a="http://schemas.openxmlformats.org/drawingml/2006/main" xmlns:r="http://schemas.openxmlformats.org/officeDocument/2006/relationships" xmlns:p="http://schemas.openxmlformats.org/presentationml/2006/main">
+  <p:cSld>
+    <p:spTree>
+      <p:nvGrpSpPr>
+        <p:cNvPr id="1" name=""/>
+        <p:cNvGrpSpPr/>
+        <p:nvPr/>
+      </p:nvGrpSpPr>
+      <p:grpSpPr>
+        <a:xfrm>
+          <a:off x="0" y="0"/>
+          <a:ext cx="0" cy="0"/>
+          <a:chOff x="0" y="0"/>
+          <a:chExt cx="0" cy="0"/>
+        </a:xfrm>
+      </p:grpSpPr>
+      <p:sp>
+        <p:nvSpPr>
+          <p:cNvPr id="2" name="Tijdelijke aanduiding voor dia-afbeelding 1"/>
+          <p:cNvSpPr>
+            <a:spLocks noGrp="1" noRot="1" noChangeAspect="1"/>
+          </p:cNvSpPr>
+          <p:nvPr>
+            <p:ph type="sldImg"/>
+          </p:nvPr>
+        </p:nvSpPr>
+        <p:spPr/>
+      </p:sp>
+      <p:sp>
+        <p:nvSpPr>
+          <p:cNvPr id="3" name="Tijdelijke aanduiding voor notities 2"/>
+          <p:cNvSpPr>
+            <a:spLocks noGrp="1"/>
+          </p:cNvSpPr>
+          <p:nvPr>
+            <p:ph type="body" idx="1"/>
+          </p:nvPr>
+        </p:nvSpPr>
+        <p:spPr/>
+        <p:txBody>
+          <a:bodyPr/>
+          <a:lstStyle/>
+          <a:p>
+            <a:r>
+              <a:rPr lang="nl-BE" dirty="0"/>
+              <a:t>Case*: </a:t>
+            </a:r>
+            <a:r>
+              <a:rPr lang="nl-BE" dirty="0" err="1"/>
+              <a:t>with</a:t>
+            </a:r>
+            <a:r>
+              <a:rPr lang="nl-BE" dirty="0"/>
+              <a:t> NM80 wind turbine</a:t>
+            </a:r>
+          </a:p>
+          <a:p>
+            <a:r>
+              <a:rPr lang="nl-BE" dirty="0"/>
+              <a:t>(X): </a:t>
+            </a:r>
+            <a:r>
+              <a:rPr lang="nl-BE" dirty="0" err="1"/>
+              <a:t>old</a:t>
+            </a:r>
+            <a:r>
+              <a:rPr lang="nl-BE" dirty="0"/>
+              <a:t> </a:t>
+            </a:r>
+            <a:r>
+              <a:rPr lang="nl-BE" dirty="0" err="1"/>
+              <a:t>inflow</a:t>
+            </a:r>
+            <a:r>
+              <a:rPr lang="nl-BE" dirty="0"/>
+              <a:t> profile</a:t>
+            </a:r>
+          </a:p>
+        </p:txBody>
+      </p:sp>
+      <p:sp>
+        <p:nvSpPr>
+          <p:cNvPr id="4" name="Tijdelijke aanduiding voor dianummer 3"/>
+          <p:cNvSpPr>
+            <a:spLocks noGrp="1"/>
+          </p:cNvSpPr>
+          <p:nvPr>
+            <p:ph type="sldNum" sz="quarter" idx="10"/>
+          </p:nvPr>
+        </p:nvSpPr>
+        <p:spPr/>
+        <p:txBody>
+          <a:bodyPr/>
+          <a:lstStyle/>
+          <a:p>
+            <a:fld id="{2A77B97F-59A8-4889-B056-2585B229E919}" type="slidenum">
+              <a:rPr lang="nl-BE" smtClean="0"/>
+              <a:t>25</a:t>
+            </a:fld>
+            <a:endParaRPr lang="nl-BE"/>
+          </a:p>
+        </p:txBody>
+      </p:sp>
+    </p:spTree>
+    <p:extLst>
+      <p:ext uri="{BB962C8B-B14F-4D97-AF65-F5344CB8AC3E}">
+        <p14:creationId xmlns:p14="http://schemas.microsoft.com/office/powerpoint/2010/main" val="2192191523"/>
+      </p:ext>
+    </p:extLst>
+  </p:cSld>
+  <p:clrMapOvr>
+    <a:masterClrMapping/>
+  </p:clrMapOvr>
+</p:notes>
 </file>
 
 <file path=ppt/slideLayouts/slideLayout1.xml><?xml version="1.0" encoding="utf-8"?>
@@ -3779,7 +3927,7 @@
             </a:r>
             <a:r>
               <a:rPr lang="nl-BE" dirty="0"/>
-              <a:t> 24/04/2018</a:t>
+              <a:t> 01/05/2018</a:t>
             </a:r>
           </a:p>
         </p:txBody>
@@ -4427,8 +4575,8 @@
           </a:p>
         </p:txBody>
       </p:sp>
-      <mc:AlternateContent xmlns:mc="http://schemas.openxmlformats.org/markup-compatibility/2006">
-        <mc:Choice xmlns:a14="http://schemas.microsoft.com/office/drawing/2010/main" Requires="a14">
+      <mc:AlternateContent xmlns:mc="http://schemas.openxmlformats.org/markup-compatibility/2006" xmlns:a14="http://schemas.microsoft.com/office/drawing/2010/main">
+        <mc:Choice Requires="a14">
           <p:graphicFrame>
             <p:nvGraphicFramePr>
               <p:cNvPr id="5" name="Tabel 4">
@@ -5188,7 +5336,7 @@
             </a:graphic>
           </p:graphicFrame>
         </mc:Choice>
-        <mc:Fallback>
+        <mc:Fallback xmlns="">
           <p:graphicFrame>
             <p:nvGraphicFramePr>
               <p:cNvPr id="5" name="Tabel 4">
@@ -7296,8 +7444,8 @@
           </a:p>
         </p:txBody>
       </p:sp>
-      <mc:AlternateContent xmlns:mc="http://schemas.openxmlformats.org/markup-compatibility/2006">
-        <mc:Choice xmlns:a14="http://schemas.microsoft.com/office/drawing/2010/main" Requires="a14">
+      <mc:AlternateContent xmlns:mc="http://schemas.openxmlformats.org/markup-compatibility/2006" xmlns:a14="http://schemas.microsoft.com/office/drawing/2010/main">
+        <mc:Choice Requires="a14">
           <p:sp>
             <p:nvSpPr>
               <p:cNvPr id="3" name="Tijdelijke aanduiding voor inhoud 2">
@@ -7542,7 +7690,7 @@
             </p:txBody>
           </p:sp>
         </mc:Choice>
-        <mc:Fallback>
+        <mc:Fallback xmlns="">
           <p:sp>
             <p:nvSpPr>
               <p:cNvPr id="3" name="Tijdelijke aanduiding voor inhoud 2">
@@ -7611,6 +7759,57 @@
           </a:p>
         </p:txBody>
       </p:sp>
+      <mc:AlternateContent xmlns:mc="http://schemas.openxmlformats.org/markup-compatibility/2006">
+        <mc:Choice xmlns:p14="http://schemas.microsoft.com/office/powerpoint/2010/main" Requires="p14">
+          <p:contentPart p14:bwMode="auto" r:id="rId3">
+            <p14:nvContentPartPr>
+              <p14:cNvPr id="6" name="Inkt 5">
+                <a:extLst>
+                  <a:ext uri="{FF2B5EF4-FFF2-40B4-BE49-F238E27FC236}">
+                    <a16:creationId xmlns:a16="http://schemas.microsoft.com/office/drawing/2014/main" id="{ABCB76C4-D1B5-4EDC-9280-C847E1824133}"/>
+                  </a:ext>
+                </a:extLst>
+              </p14:cNvPr>
+              <p14:cNvContentPartPr/>
+              <p14:nvPr/>
+            </p14:nvContentPartPr>
+            <p14:xfrm>
+              <a:off x="5327640" y="3994200"/>
+              <a:ext cx="2934000" cy="32040"/>
+            </p14:xfrm>
+          </p:contentPart>
+        </mc:Choice>
+        <mc:Fallback>
+          <p:pic>
+            <p:nvPicPr>
+              <p:cNvPr id="6" name="Inkt 5">
+                <a:extLst>
+                  <a:ext uri="{FF2B5EF4-FFF2-40B4-BE49-F238E27FC236}">
+                    <a16:creationId xmlns:a16="http://schemas.microsoft.com/office/drawing/2014/main" id="{ABCB76C4-D1B5-4EDC-9280-C847E1824133}"/>
+                  </a:ext>
+                </a:extLst>
+              </p:cNvPr>
+              <p:cNvPicPr/>
+              <p:nvPr/>
+            </p:nvPicPr>
+            <p:blipFill>
+              <a:blip r:embed="rId4"/>
+              <a:stretch>
+                <a:fillRect/>
+              </a:stretch>
+            </p:blipFill>
+            <p:spPr>
+              <a:xfrm>
+                <a:off x="5318280" y="3984840"/>
+                <a:ext cx="2952720" cy="50760"/>
+              </a:xfrm>
+              <a:prstGeom prst="rect">
+                <a:avLst/>
+              </a:prstGeom>
+            </p:spPr>
+          </p:pic>
+        </mc:Fallback>
+      </mc:AlternateContent>
     </p:spTree>
     <p:extLst>
       <p:ext uri="{BB962C8B-B14F-4D97-AF65-F5344CB8AC3E}">
@@ -7625,7 +7824,7 @@
 </file>
 
 <file path=ppt/slides/slide24.xml><?xml version="1.0" encoding="utf-8"?>
-<p:sld xmlns:a="http://schemas.openxmlformats.org/drawingml/2006/main" xmlns:r="http://schemas.openxmlformats.org/officeDocument/2006/relationships" xmlns:p="http://schemas.openxmlformats.org/presentationml/2006/main" show="0">
+<p:sld xmlns:a="http://schemas.openxmlformats.org/drawingml/2006/main" xmlns:r="http://schemas.openxmlformats.org/officeDocument/2006/relationships" xmlns:p="http://schemas.openxmlformats.org/presentationml/2006/main">
   <p:cSld>
     <p:spTree>
       <p:nvGrpSpPr>
@@ -7646,7 +7845,7 @@
           <p:cNvPr id="2" name="Titel 1">
             <a:extLst>
               <a:ext uri="{FF2B5EF4-FFF2-40B4-BE49-F238E27FC236}">
-                <a16:creationId xmlns:a16="http://schemas.microsoft.com/office/drawing/2014/main" id="{B7F48517-EAA5-4230-9167-0AD402145281}"/>
+                <a16:creationId xmlns:a16="http://schemas.microsoft.com/office/drawing/2014/main" id="{2F656630-E830-4812-8B4C-EF2C02628E3C}"/>
               </a:ext>
             </a:extLst>
           </p:cNvPr>
@@ -7663,64 +7862,26 @@
           <a:lstStyle/>
           <a:p>
             <a:r>
-              <a:rPr lang="nl-BE" dirty="0" err="1"/>
-              <a:t>Comparison</a:t>
-            </a:r>
-            <a:r>
               <a:rPr lang="nl-BE" dirty="0"/>
-              <a:t> data &amp; Park (Case 1)</a:t>
-            </a:r>
-          </a:p>
-        </p:txBody>
-      </p:sp>
-      <p:pic>
-        <p:nvPicPr>
-          <p:cNvPr id="6" name="Tijdelijke aanduiding voor inhoud 5" descr="Afbeelding met tekst, kaart&#10;&#10;Beschrijving is gegenereerd met zeer hoge betrouwbaarheid">
-            <a:extLst>
-              <a:ext uri="{FF2B5EF4-FFF2-40B4-BE49-F238E27FC236}">
-                <a16:creationId xmlns:a16="http://schemas.microsoft.com/office/drawing/2014/main" id="{4C73BB5A-5D12-492E-B2AF-992D505491A3}"/>
-              </a:ext>
-            </a:extLst>
-          </p:cNvPr>
-          <p:cNvPicPr>
-            <a:picLocks noGrp="1" noChangeAspect="1"/>
-          </p:cNvPicPr>
+              <a:t>Next meetings</a:t>
+            </a:r>
+          </a:p>
+        </p:txBody>
+      </p:sp>
+      <p:sp>
+        <p:nvSpPr>
+          <p:cNvPr id="3" name="Tijdelijke aanduiding voor inhoud 2">
+            <a:extLst>
+              <a:ext uri="{FF2B5EF4-FFF2-40B4-BE49-F238E27FC236}">
+                <a16:creationId xmlns:a16="http://schemas.microsoft.com/office/drawing/2014/main" id="{808F3B84-1300-465E-9DBA-DFF96A8C4AC9}"/>
+              </a:ext>
+            </a:extLst>
+          </p:cNvPr>
+          <p:cNvSpPr>
+            <a:spLocks noGrp="1"/>
+          </p:cNvSpPr>
           <p:nvPr>
             <p:ph idx="1"/>
-          </p:nvPr>
-        </p:nvPicPr>
-        <p:blipFill rotWithShape="1">
-          <a:blip r:embed="rId2">
-            <a:extLst>
-              <a:ext uri="{28A0092B-C50C-407E-A947-70E740481C1C}">
-                <a14:useLocalDpi xmlns:a14="http://schemas.microsoft.com/office/drawing/2010/main" val="0"/>
-              </a:ext>
-            </a:extLst>
-          </a:blip>
-          <a:srcRect l="8763" t="2929" r="8293" b="3630"/>
-          <a:stretch/>
-        </p:blipFill>
-        <p:spPr>
-          <a:xfrm>
-            <a:off x="1562242" y="1761138"/>
-            <a:ext cx="9280579" cy="5096862"/>
-          </a:xfrm>
-        </p:spPr>
-      </p:pic>
-      <p:sp>
-        <p:nvSpPr>
-          <p:cNvPr id="4" name="Tijdelijke aanduiding voor dianummer 3">
-            <a:extLst>
-              <a:ext uri="{FF2B5EF4-FFF2-40B4-BE49-F238E27FC236}">
-                <a16:creationId xmlns:a16="http://schemas.microsoft.com/office/drawing/2014/main" id="{2FA9C812-EC72-4F84-B13B-1DD5093B95BF}"/>
-              </a:ext>
-            </a:extLst>
-          </p:cNvPr>
-          <p:cNvSpPr>
-            <a:spLocks noGrp="1"/>
-          </p:cNvSpPr>
-          <p:nvPr>
-            <p:ph type="sldNum" sz="quarter" idx="12"/>
           </p:nvPr>
         </p:nvSpPr>
         <p:spPr/>
@@ -7728,7 +7889,82 @@
           <a:bodyPr/>
           <a:lstStyle/>
           <a:p>
-            <a:fld id="{BC70CCCC-6304-467F-A6CA-707FAFE15990}" type="slidenum">
+            <a:r>
+              <a:rPr lang="nl-BE" dirty="0" err="1"/>
+              <a:t>Wednesday</a:t>
+            </a:r>
+            <a:r>
+              <a:rPr lang="nl-BE" dirty="0"/>
+              <a:t> 16/05 at 14:00</a:t>
+            </a:r>
+          </a:p>
+          <a:p>
+            <a:r>
+              <a:rPr lang="nl-BE" dirty="0" err="1"/>
+              <a:t>Monday</a:t>
+            </a:r>
+            <a:r>
+              <a:rPr lang="nl-BE" dirty="0"/>
+              <a:t> 28/08 at 14:30</a:t>
+            </a:r>
+          </a:p>
+          <a:p>
+            <a:endParaRPr lang="nl-BE" dirty="0"/>
+          </a:p>
+          <a:p>
+            <a:r>
+              <a:rPr lang="nl-BE" dirty="0"/>
+              <a:t>Thesis </a:t>
+            </a:r>
+            <a:r>
+              <a:rPr lang="nl-BE" dirty="0" err="1"/>
+              <a:t>defence</a:t>
+            </a:r>
+            <a:r>
+              <a:rPr lang="nl-BE" dirty="0"/>
+              <a:t> </a:t>
+            </a:r>
+            <a:r>
+              <a:rPr lang="nl-BE" dirty="0" err="1"/>
+              <a:t>between</a:t>
+            </a:r>
+            <a:r>
+              <a:rPr lang="nl-BE" dirty="0"/>
+              <a:t> 13th </a:t>
+            </a:r>
+            <a:r>
+              <a:rPr lang="nl-BE" dirty="0" err="1"/>
+              <a:t>and</a:t>
+            </a:r>
+            <a:r>
+              <a:rPr lang="nl-BE" dirty="0"/>
+              <a:t> 16th of August</a:t>
+            </a:r>
+          </a:p>
+        </p:txBody>
+      </p:sp>
+      <p:sp>
+        <p:nvSpPr>
+          <p:cNvPr id="4" name="Tijdelijke aanduiding voor dianummer 3">
+            <a:extLst>
+              <a:ext uri="{FF2B5EF4-FFF2-40B4-BE49-F238E27FC236}">
+                <a16:creationId xmlns:a16="http://schemas.microsoft.com/office/drawing/2014/main" id="{9E6F9B8F-D388-4350-A038-B90470A49FCE}"/>
+              </a:ext>
+            </a:extLst>
+          </p:cNvPr>
+          <p:cNvSpPr>
+            <a:spLocks noGrp="1"/>
+          </p:cNvSpPr>
+          <p:nvPr>
+            <p:ph type="sldNum" sz="quarter" idx="12"/>
+          </p:nvPr>
+        </p:nvSpPr>
+        <p:spPr/>
+        <p:txBody>
+          <a:bodyPr/>
+          <a:lstStyle/>
+          <a:p>
+            <a:fld id="{263F0982-AF32-415A-A1D9-505CA4CFFD1C}" type="slidenum">
               <a:rPr lang="nl-BE" smtClean="0"/>
               <a:t>24</a:t>
             </a:fld>
@@ -7736,101 +7972,921 @@
           </a:p>
         </p:txBody>
       </p:sp>
-      <p:sp>
-        <p:nvSpPr>
-          <p:cNvPr id="8" name="Tekstvak 7">
-            <a:extLst>
-              <a:ext uri="{FF2B5EF4-FFF2-40B4-BE49-F238E27FC236}">
-                <a16:creationId xmlns:a16="http://schemas.microsoft.com/office/drawing/2014/main" id="{CA7231C8-548F-442B-AE4C-96145E1F52C4}"/>
-              </a:ext>
-            </a:extLst>
-          </p:cNvPr>
-          <p:cNvSpPr txBox="1"/>
-          <p:nvPr/>
-        </p:nvSpPr>
-        <p:spPr>
-          <a:xfrm>
-            <a:off x="932155" y="1273491"/>
-            <a:ext cx="7492754" cy="646331"/>
-          </a:xfrm>
-          <a:prstGeom prst="rect">
-            <a:avLst/>
-          </a:prstGeom>
-          <a:noFill/>
-        </p:spPr>
-        <p:txBody>
-          <a:bodyPr wrap="square" rtlCol="0">
-            <a:spAutoFit/>
-          </a:bodyPr>
-          <a:lstStyle/>
-          <a:p>
-            <a:r>
-              <a:rPr lang="nl-BE" dirty="0"/>
-              <a:t>Data at 100m </a:t>
-            </a:r>
-            <a:r>
-              <a:rPr lang="nl-BE" dirty="0" err="1"/>
-              <a:t>height</a:t>
-            </a:r>
-            <a:br>
-              <a:rPr lang="nl-BE" dirty="0"/>
-            </a:br>
-            <a:r>
-              <a:rPr lang="nl-BE" dirty="0"/>
-              <a:t>Park: </a:t>
-            </a:r>
-            <a:r>
-              <a:rPr lang="nl-BE" dirty="0" err="1"/>
-              <a:t>quadratic</a:t>
-            </a:r>
-            <a:r>
-              <a:rPr lang="nl-BE" dirty="0"/>
-              <a:t> </a:t>
-            </a:r>
-            <a:r>
-              <a:rPr lang="nl-BE" dirty="0" err="1"/>
-              <a:t>superposition</a:t>
-            </a:r>
-            <a:r>
-              <a:rPr lang="nl-BE" dirty="0"/>
-              <a:t>, </a:t>
-            </a:r>
-            <a:r>
-              <a:rPr lang="nl-BE" dirty="0" err="1"/>
-              <a:t>with</a:t>
-            </a:r>
-            <a:r>
-              <a:rPr lang="nl-BE" dirty="0"/>
-              <a:t> </a:t>
-            </a:r>
-            <a:r>
-              <a:rPr lang="nl-BE" dirty="0" err="1"/>
-              <a:t>correction</a:t>
-            </a:r>
-            <a:r>
-              <a:rPr lang="nl-BE" dirty="0"/>
-              <a:t> factor </a:t>
-            </a:r>
-            <a:r>
-              <a:rPr lang="nl-BE" dirty="0" err="1"/>
-              <a:t>and</a:t>
-            </a:r>
-            <a:r>
-              <a:rPr lang="nl-BE" dirty="0"/>
-              <a:t> wake </a:t>
-            </a:r>
-            <a:r>
-              <a:rPr lang="nl-BE" dirty="0" err="1"/>
-              <a:t>reflection</a:t>
-            </a:r>
-            <a:endParaRPr lang="nl-BE" dirty="0"/>
-          </a:p>
-        </p:txBody>
-      </p:sp>
     </p:spTree>
     <p:extLst>
       <p:ext uri="{BB962C8B-B14F-4D97-AF65-F5344CB8AC3E}">
-        <p14:creationId xmlns:p14="http://schemas.microsoft.com/office/powerpoint/2010/main" val="2167300264"/>
+        <p14:creationId xmlns:p14="http://schemas.microsoft.com/office/powerpoint/2010/main" val="2799067786"/>
+      </p:ext>
+    </p:extLst>
+  </p:cSld>
+  <p:clrMapOvr>
+    <a:masterClrMapping/>
+  </p:clrMapOvr>
+</p:sld>
+</file>
+
+<file path=ppt/slides/slide25.xml><?xml version="1.0" encoding="utf-8"?>
+<p:sld xmlns:a="http://schemas.openxmlformats.org/drawingml/2006/main" xmlns:r="http://schemas.openxmlformats.org/officeDocument/2006/relationships" xmlns:p="http://schemas.openxmlformats.org/presentationml/2006/main">
+  <p:cSld>
+    <p:spTree>
+      <p:nvGrpSpPr>
+        <p:cNvPr id="1" name=""/>
+        <p:cNvGrpSpPr/>
+        <p:nvPr/>
+      </p:nvGrpSpPr>
+      <p:grpSpPr>
+        <a:xfrm>
+          <a:off x="0" y="0"/>
+          <a:ext cx="0" cy="0"/>
+          <a:chOff x="0" y="0"/>
+          <a:chExt cx="0" cy="0"/>
+        </a:xfrm>
+      </p:grpSpPr>
+      <p:sp>
+        <p:nvSpPr>
+          <p:cNvPr id="2" name="Titel 1">
+            <a:extLst>
+              <a:ext uri="{FF2B5EF4-FFF2-40B4-BE49-F238E27FC236}">
+                <a16:creationId xmlns:a16="http://schemas.microsoft.com/office/drawing/2014/main" id="{E5B645D6-5C5A-4101-A748-094A119CCA97}"/>
+              </a:ext>
+            </a:extLst>
+          </p:cNvPr>
+          <p:cNvSpPr>
+            <a:spLocks noGrp="1"/>
+          </p:cNvSpPr>
+          <p:nvPr>
+            <p:ph type="title"/>
+          </p:nvPr>
+        </p:nvSpPr>
+        <p:spPr/>
+        <p:txBody>
+          <a:bodyPr/>
+          <a:lstStyle/>
+          <a:p>
+            <a:r>
+              <a:rPr lang="nl-BE" dirty="0"/>
+              <a:t>The big next steps</a:t>
+            </a:r>
+          </a:p>
+        </p:txBody>
+      </p:sp>
+      <p:sp>
+        <p:nvSpPr>
+          <p:cNvPr id="3" name="Tijdelijke aanduiding voor inhoud 2">
+            <a:extLst>
+              <a:ext uri="{FF2B5EF4-FFF2-40B4-BE49-F238E27FC236}">
+                <a16:creationId xmlns:a16="http://schemas.microsoft.com/office/drawing/2014/main" id="{2A95E0D6-6BFF-41DD-8E6D-5A74C6D259D1}"/>
+              </a:ext>
+            </a:extLst>
+          </p:cNvPr>
+          <p:cNvSpPr>
+            <a:spLocks noGrp="1"/>
+          </p:cNvSpPr>
+          <p:nvPr>
+            <p:ph idx="1"/>
+          </p:nvPr>
+        </p:nvSpPr>
+        <p:spPr>
+          <a:xfrm>
+            <a:off x="838200" y="1573212"/>
+            <a:ext cx="10515600" cy="4965700"/>
+          </a:xfrm>
+        </p:spPr>
+        <p:txBody>
+          <a:bodyPr>
+            <a:normAutofit lnSpcReduction="10000"/>
+          </a:bodyPr>
+          <a:lstStyle/>
+          <a:p>
+            <a:pPr marL="514350" indent="-514350">
+              <a:buFont typeface="+mj-lt"/>
+              <a:buAutoNum type="arabicPeriod"/>
+            </a:pPr>
+            <a:r>
+              <a:rPr lang="en-GB" dirty="0"/>
+              <a:t>Single wake superposition</a:t>
+            </a:r>
+          </a:p>
+          <a:p>
+            <a:pPr lvl="1"/>
+            <a:r>
+              <a:rPr lang="en-GB" dirty="0"/>
+              <a:t>LES</a:t>
+            </a:r>
+          </a:p>
+          <a:p>
+            <a:pPr lvl="1"/>
+            <a:r>
+              <a:rPr lang="en-GB" dirty="0" err="1"/>
+              <a:t>Fuga</a:t>
+            </a:r>
+            <a:endParaRPr lang="en-GB" dirty="0"/>
+          </a:p>
+          <a:p>
+            <a:pPr marL="514350" indent="-514350">
+              <a:buFont typeface="+mj-lt"/>
+              <a:buAutoNum type="arabicPeriod"/>
+            </a:pPr>
+            <a:r>
+              <a:rPr lang="en-GB" dirty="0"/>
+              <a:t>Comparison</a:t>
+            </a:r>
+          </a:p>
+          <a:p>
+            <a:pPr lvl="1"/>
+            <a:r>
+              <a:rPr lang="en-GB" dirty="0"/>
+              <a:t>Datasets</a:t>
+            </a:r>
+          </a:p>
+          <a:p>
+            <a:pPr lvl="2"/>
+            <a:r>
+              <a:rPr lang="en-GB" dirty="0"/>
+              <a:t>BEACon </a:t>
+            </a:r>
+          </a:p>
+          <a:p>
+            <a:pPr lvl="2"/>
+            <a:r>
+              <a:rPr lang="en-GB" dirty="0"/>
+              <a:t>LES: full wake + LES superposition </a:t>
+            </a:r>
+          </a:p>
+          <a:p>
+            <a:pPr lvl="2"/>
+            <a:r>
+              <a:rPr lang="en-GB" dirty="0"/>
+              <a:t>Park </a:t>
+            </a:r>
+          </a:p>
+          <a:p>
+            <a:pPr lvl="2"/>
+            <a:r>
+              <a:rPr lang="en-GB" dirty="0" err="1"/>
+              <a:t>Fuga</a:t>
+            </a:r>
+            <a:r>
+              <a:rPr lang="en-GB" dirty="0"/>
+              <a:t>: full wake + </a:t>
+            </a:r>
+            <a:r>
+              <a:rPr lang="en-GB" dirty="0" err="1"/>
+              <a:t>Fuga</a:t>
+            </a:r>
+            <a:r>
+              <a:rPr lang="en-GB" dirty="0"/>
+              <a:t> superposition</a:t>
+            </a:r>
+          </a:p>
+          <a:p>
+            <a:pPr lvl="1"/>
+            <a:r>
+              <a:rPr lang="en-GB" dirty="0"/>
+              <a:t>Focus on</a:t>
+            </a:r>
+          </a:p>
+          <a:p>
+            <a:pPr lvl="2"/>
+            <a:r>
+              <a:rPr lang="en-GB" dirty="0"/>
+              <a:t>Horizontal profiles + maximum deficit</a:t>
+            </a:r>
+          </a:p>
+          <a:p>
+            <a:pPr lvl="2"/>
+            <a:r>
+              <a:rPr lang="en-GB" dirty="0"/>
+              <a:t>Wake boundary</a:t>
+            </a:r>
+          </a:p>
+          <a:p>
+            <a:pPr lvl="2"/>
+            <a:r>
+              <a:rPr lang="en-GB" dirty="0"/>
+              <a:t>Wake recovery (streamwise line)</a:t>
+            </a:r>
+          </a:p>
+          <a:p>
+            <a:pPr lvl="2"/>
+            <a:r>
+              <a:rPr lang="en-GB" dirty="0"/>
+              <a:t>Case 2: wake change upstream</a:t>
+            </a:r>
+          </a:p>
+          <a:p>
+            <a:pPr lvl="2"/>
+            <a:endParaRPr lang="en-GB" dirty="0"/>
+          </a:p>
+          <a:p>
+            <a:pPr lvl="1"/>
+            <a:endParaRPr lang="en-GB" dirty="0"/>
+          </a:p>
+        </p:txBody>
+      </p:sp>
+      <p:sp>
+        <p:nvSpPr>
+          <p:cNvPr id="4" name="Tijdelijke aanduiding voor dianummer 3">
+            <a:extLst>
+              <a:ext uri="{FF2B5EF4-FFF2-40B4-BE49-F238E27FC236}">
+                <a16:creationId xmlns:a16="http://schemas.microsoft.com/office/drawing/2014/main" id="{1D778181-80EC-43C8-891B-A6E0D323AA6B}"/>
+              </a:ext>
+            </a:extLst>
+          </p:cNvPr>
+          <p:cNvSpPr>
+            <a:spLocks noGrp="1"/>
+          </p:cNvSpPr>
+          <p:nvPr>
+            <p:ph type="sldNum" sz="quarter" idx="12"/>
+          </p:nvPr>
+        </p:nvSpPr>
+        <p:spPr/>
+        <p:txBody>
+          <a:bodyPr/>
+          <a:lstStyle/>
+          <a:p>
+            <a:fld id="{263F0982-AF32-415A-A1D9-505CA4CFFD1C}" type="slidenum">
+              <a:rPr lang="nl-BE" smtClean="0"/>
+              <a:t>25</a:t>
+            </a:fld>
+            <a:endParaRPr lang="nl-BE"/>
+          </a:p>
+        </p:txBody>
+      </p:sp>
+      <p:graphicFrame>
+        <p:nvGraphicFramePr>
+          <p:cNvPr id="6" name="Tabel 5">
+            <a:extLst>
+              <a:ext uri="{FF2B5EF4-FFF2-40B4-BE49-F238E27FC236}">
+                <a16:creationId xmlns:a16="http://schemas.microsoft.com/office/drawing/2014/main" id="{1E250E06-2D7E-46BC-85AB-C1BB97B67572}"/>
+              </a:ext>
+            </a:extLst>
+          </p:cNvPr>
+          <p:cNvGraphicFramePr>
+            <a:graphicFrameLocks noGrp="1"/>
+          </p:cNvGraphicFramePr>
+          <p:nvPr>
+            <p:extLst>
+              <p:ext uri="{D42A27DB-BD31-4B8C-83A1-F6EECF244321}">
+                <p14:modId xmlns:p14="http://schemas.microsoft.com/office/powerpoint/2010/main" val="1497330453"/>
+              </p:ext>
+            </p:extLst>
+          </p:nvPr>
+        </p:nvGraphicFramePr>
+        <p:xfrm>
+          <a:off x="6696075" y="2822575"/>
+          <a:ext cx="5000625" cy="2006601"/>
+        </p:xfrm>
+        <a:graphic>
+          <a:graphicData uri="http://schemas.openxmlformats.org/drawingml/2006/table">
+            <a:tbl>
+              <a:tblPr firstRow="1" bandRow="1">
+                <a:tableStyleId>{5C22544A-7EE6-4342-B048-85BDC9FD1C3A}</a:tableStyleId>
+              </a:tblPr>
+              <a:tblGrid>
+                <a:gridCol w="1284407">
+                  <a:extLst>
+                    <a:ext uri="{9D8B030D-6E8A-4147-A177-3AD203B41FA5}">
+                      <a16:colId xmlns:a16="http://schemas.microsoft.com/office/drawing/2014/main" val="19171384"/>
+                    </a:ext>
+                  </a:extLst>
+                </a:gridCol>
+                <a:gridCol w="642204">
+                  <a:extLst>
+                    <a:ext uri="{9D8B030D-6E8A-4147-A177-3AD203B41FA5}">
+                      <a16:colId xmlns:a16="http://schemas.microsoft.com/office/drawing/2014/main" val="1631850660"/>
+                    </a:ext>
+                  </a:extLst>
+                </a:gridCol>
+                <a:gridCol w="625078">
+                  <a:extLst>
+                    <a:ext uri="{9D8B030D-6E8A-4147-A177-3AD203B41FA5}">
+                      <a16:colId xmlns:a16="http://schemas.microsoft.com/office/drawing/2014/main" val="3728528734"/>
+                    </a:ext>
+                  </a:extLst>
+                </a:gridCol>
+                <a:gridCol w="693580">
+                  <a:extLst>
+                    <a:ext uri="{9D8B030D-6E8A-4147-A177-3AD203B41FA5}">
+                      <a16:colId xmlns:a16="http://schemas.microsoft.com/office/drawing/2014/main" val="1021103892"/>
+                    </a:ext>
+                  </a:extLst>
+                </a:gridCol>
+                <a:gridCol w="796332">
+                  <a:extLst>
+                    <a:ext uri="{9D8B030D-6E8A-4147-A177-3AD203B41FA5}">
+                      <a16:colId xmlns:a16="http://schemas.microsoft.com/office/drawing/2014/main" val="1887195872"/>
+                    </a:ext>
+                  </a:extLst>
+                </a:gridCol>
+                <a:gridCol w="959024">
+                  <a:extLst>
+                    <a:ext uri="{9D8B030D-6E8A-4147-A177-3AD203B41FA5}">
+                      <a16:colId xmlns:a16="http://schemas.microsoft.com/office/drawing/2014/main" val="3283825400"/>
+                    </a:ext>
+                  </a:extLst>
+                </a:gridCol>
+              </a:tblGrid>
+              <a:tr h="525617">
+                <a:tc>
+                  <a:txBody>
+                    <a:bodyPr/>
+                    <a:lstStyle/>
+                    <a:p>
+                      <a:endParaRPr lang="nl-BE" sz="1400" dirty="0"/>
+                    </a:p>
+                  </a:txBody>
+                  <a:tcPr/>
+                </a:tc>
+                <a:tc>
+                  <a:txBody>
+                    <a:bodyPr/>
+                    <a:lstStyle/>
+                    <a:p>
+                      <a:r>
+                        <a:rPr lang="nl-BE" sz="1400" dirty="0"/>
+                        <a:t>Case 1</a:t>
+                      </a:r>
+                    </a:p>
+                  </a:txBody>
+                  <a:tcPr/>
+                </a:tc>
+                <a:tc>
+                  <a:txBody>
+                    <a:bodyPr/>
+                    <a:lstStyle/>
+                    <a:p>
+                      <a:r>
+                        <a:rPr lang="nl-BE" sz="1400" dirty="0"/>
+                        <a:t>Case 2</a:t>
+                      </a:r>
+                    </a:p>
+                  </a:txBody>
+                  <a:tcPr/>
+                </a:tc>
+                <a:tc>
+                  <a:txBody>
+                    <a:bodyPr/>
+                    <a:lstStyle/>
+                    <a:p>
+                      <a:r>
+                        <a:rPr lang="nl-BE" sz="1400" dirty="0"/>
+                        <a:t>Case 3</a:t>
+                      </a:r>
+                    </a:p>
+                  </a:txBody>
+                  <a:tcPr/>
+                </a:tc>
+                <a:tc>
+                  <a:txBody>
+                    <a:bodyPr/>
+                    <a:lstStyle/>
+                    <a:p>
+                      <a:r>
+                        <a:rPr lang="nl-BE" sz="1400" dirty="0"/>
+                        <a:t>Case* 14 m/s</a:t>
+                      </a:r>
+                    </a:p>
+                  </a:txBody>
+                  <a:tcPr/>
+                </a:tc>
+                <a:tc>
+                  <a:txBody>
+                    <a:bodyPr/>
+                    <a:lstStyle/>
+                    <a:p>
+                      <a:r>
+                        <a:rPr lang="nl-BE" sz="1400" dirty="0"/>
+                        <a:t>Case* 11,2 m/s</a:t>
+                      </a:r>
+                    </a:p>
+                  </a:txBody>
+                  <a:tcPr/>
+                </a:tc>
+                <a:extLst>
+                  <a:ext uri="{0D108BD9-81ED-4DB2-BD59-A6C34878D82A}">
+                    <a16:rowId xmlns:a16="http://schemas.microsoft.com/office/drawing/2014/main" val="544090862"/>
+                  </a:ext>
+                </a:extLst>
+              </a:tr>
+              <a:tr h="370246">
+                <a:tc>
+                  <a:txBody>
+                    <a:bodyPr/>
+                    <a:lstStyle/>
+                    <a:p>
+                      <a:r>
+                        <a:rPr lang="nl-BE" sz="1400" dirty="0"/>
+                        <a:t>BEACon</a:t>
+                      </a:r>
+                    </a:p>
+                  </a:txBody>
+                  <a:tcPr/>
+                </a:tc>
+                <a:tc>
+                  <a:txBody>
+                    <a:bodyPr/>
+                    <a:lstStyle/>
+                    <a:p>
+                      <a:r>
+                        <a:rPr lang="nl-BE" sz="1400" dirty="0"/>
+                        <a:t>X</a:t>
+                      </a:r>
+                    </a:p>
+                  </a:txBody>
+                  <a:tcPr/>
+                </a:tc>
+                <a:tc>
+                  <a:txBody>
+                    <a:bodyPr/>
+                    <a:lstStyle/>
+                    <a:p>
+                      <a:r>
+                        <a:rPr lang="nl-BE" sz="1400" dirty="0"/>
+                        <a:t>X </a:t>
+                      </a:r>
+                    </a:p>
+                  </a:txBody>
+                  <a:tcPr/>
+                </a:tc>
+                <a:tc>
+                  <a:txBody>
+                    <a:bodyPr/>
+                    <a:lstStyle/>
+                    <a:p>
+                      <a:endParaRPr lang="nl-BE" sz="1400"/>
+                    </a:p>
+                  </a:txBody>
+                  <a:tcPr/>
+                </a:tc>
+                <a:tc>
+                  <a:txBody>
+                    <a:bodyPr/>
+                    <a:lstStyle/>
+                    <a:p>
+                      <a:endParaRPr lang="nl-BE" sz="1400" dirty="0"/>
+                    </a:p>
+                  </a:txBody>
+                  <a:tcPr/>
+                </a:tc>
+                <a:tc>
+                  <a:txBody>
+                    <a:bodyPr/>
+                    <a:lstStyle/>
+                    <a:p>
+                      <a:endParaRPr lang="nl-BE" sz="1400" dirty="0"/>
+                    </a:p>
+                  </a:txBody>
+                  <a:tcPr/>
+                </a:tc>
+                <a:extLst>
+                  <a:ext uri="{0D108BD9-81ED-4DB2-BD59-A6C34878D82A}">
+                    <a16:rowId xmlns:a16="http://schemas.microsoft.com/office/drawing/2014/main" val="46362132"/>
+                  </a:ext>
+                </a:extLst>
+              </a:tr>
+              <a:tr h="370246">
+                <a:tc>
+                  <a:txBody>
+                    <a:bodyPr/>
+                    <a:lstStyle/>
+                    <a:p>
+                      <a:r>
+                        <a:rPr lang="nl-BE" sz="1400" dirty="0"/>
+                        <a:t>LES</a:t>
+                      </a:r>
+                    </a:p>
+                  </a:txBody>
+                  <a:tcPr/>
+                </a:tc>
+                <a:tc>
+                  <a:txBody>
+                    <a:bodyPr/>
+                    <a:lstStyle/>
+                    <a:p>
+                      <a:r>
+                        <a:rPr lang="nl-BE" sz="1400" dirty="0"/>
+                        <a:t>X</a:t>
+                      </a:r>
+                    </a:p>
+                  </a:txBody>
+                  <a:tcPr/>
+                </a:tc>
+                <a:tc>
+                  <a:txBody>
+                    <a:bodyPr/>
+                    <a:lstStyle/>
+                    <a:p>
+                      <a:endParaRPr lang="nl-BE" sz="1400" dirty="0"/>
+                    </a:p>
+                  </a:txBody>
+                  <a:tcPr/>
+                </a:tc>
+                <a:tc>
+                  <a:txBody>
+                    <a:bodyPr/>
+                    <a:lstStyle/>
+                    <a:p>
+                      <a:r>
+                        <a:rPr lang="nl-BE" sz="1400" dirty="0"/>
+                        <a:t>(X)</a:t>
+                      </a:r>
+                    </a:p>
+                  </a:txBody>
+                  <a:tcPr/>
+                </a:tc>
+                <a:tc>
+                  <a:txBody>
+                    <a:bodyPr/>
+                    <a:lstStyle/>
+                    <a:p>
+                      <a:r>
+                        <a:rPr lang="nl-BE" sz="1400" dirty="0"/>
+                        <a:t>X</a:t>
+                      </a:r>
+                    </a:p>
+                  </a:txBody>
+                  <a:tcPr/>
+                </a:tc>
+                <a:tc>
+                  <a:txBody>
+                    <a:bodyPr/>
+                    <a:lstStyle/>
+                    <a:p>
+                      <a:r>
+                        <a:rPr lang="nl-BE" sz="1400" dirty="0"/>
+                        <a:t>X</a:t>
+                      </a:r>
+                    </a:p>
+                  </a:txBody>
+                  <a:tcPr/>
+                </a:tc>
+                <a:extLst>
+                  <a:ext uri="{0D108BD9-81ED-4DB2-BD59-A6C34878D82A}">
+                    <a16:rowId xmlns:a16="http://schemas.microsoft.com/office/drawing/2014/main" val="1949637118"/>
+                  </a:ext>
+                </a:extLst>
+              </a:tr>
+              <a:tr h="370246">
+                <a:tc>
+                  <a:txBody>
+                    <a:bodyPr/>
+                    <a:lstStyle/>
+                    <a:p>
+                      <a:r>
+                        <a:rPr lang="nl-BE" sz="1400" dirty="0"/>
+                        <a:t>Park</a:t>
+                      </a:r>
+                    </a:p>
+                  </a:txBody>
+                  <a:tcPr/>
+                </a:tc>
+                <a:tc>
+                  <a:txBody>
+                    <a:bodyPr/>
+                    <a:lstStyle/>
+                    <a:p>
+                      <a:r>
+                        <a:rPr lang="nl-BE" sz="1400" dirty="0"/>
+                        <a:t>X</a:t>
+                      </a:r>
+                    </a:p>
+                  </a:txBody>
+                  <a:tcPr/>
+                </a:tc>
+                <a:tc>
+                  <a:txBody>
+                    <a:bodyPr/>
+                    <a:lstStyle/>
+                    <a:p>
+                      <a:r>
+                        <a:rPr lang="nl-BE" sz="1400" dirty="0"/>
+                        <a:t>X</a:t>
+                      </a:r>
+                    </a:p>
+                  </a:txBody>
+                  <a:tcPr/>
+                </a:tc>
+                <a:tc>
+                  <a:txBody>
+                    <a:bodyPr/>
+                    <a:lstStyle/>
+                    <a:p>
+                      <a:r>
+                        <a:rPr lang="nl-BE" sz="1400" dirty="0"/>
+                        <a:t>X</a:t>
+                      </a:r>
+                    </a:p>
+                  </a:txBody>
+                  <a:tcPr/>
+                </a:tc>
+                <a:tc>
+                  <a:txBody>
+                    <a:bodyPr/>
+                    <a:lstStyle/>
+                    <a:p>
+                      <a:r>
+                        <a:rPr lang="nl-BE" sz="1400" dirty="0"/>
+                        <a:t>X</a:t>
+                      </a:r>
+                    </a:p>
+                  </a:txBody>
+                  <a:tcPr/>
+                </a:tc>
+                <a:tc>
+                  <a:txBody>
+                    <a:bodyPr/>
+                    <a:lstStyle/>
+                    <a:p>
+                      <a:r>
+                        <a:rPr lang="nl-BE" sz="1400" dirty="0"/>
+                        <a:t>X</a:t>
+                      </a:r>
+                    </a:p>
+                  </a:txBody>
+                  <a:tcPr/>
+                </a:tc>
+                <a:extLst>
+                  <a:ext uri="{0D108BD9-81ED-4DB2-BD59-A6C34878D82A}">
+                    <a16:rowId xmlns:a16="http://schemas.microsoft.com/office/drawing/2014/main" val="942628402"/>
+                  </a:ext>
+                </a:extLst>
+              </a:tr>
+              <a:tr h="370246">
+                <a:tc>
+                  <a:txBody>
+                    <a:bodyPr/>
+                    <a:lstStyle/>
+                    <a:p>
+                      <a:r>
+                        <a:rPr lang="nl-BE" sz="1400" dirty="0"/>
+                        <a:t>Fuga</a:t>
+                      </a:r>
+                    </a:p>
+                  </a:txBody>
+                  <a:tcPr/>
+                </a:tc>
+                <a:tc>
+                  <a:txBody>
+                    <a:bodyPr/>
+                    <a:lstStyle/>
+                    <a:p>
+                      <a:r>
+                        <a:rPr lang="nl-BE" sz="1400" dirty="0"/>
+                        <a:t>X</a:t>
+                      </a:r>
+                    </a:p>
+                  </a:txBody>
+                  <a:tcPr/>
+                </a:tc>
+                <a:tc>
+                  <a:txBody>
+                    <a:bodyPr/>
+                    <a:lstStyle/>
+                    <a:p>
+                      <a:r>
+                        <a:rPr lang="nl-BE" sz="1400" dirty="0"/>
+                        <a:t>X</a:t>
+                      </a:r>
+                    </a:p>
+                  </a:txBody>
+                  <a:tcPr/>
+                </a:tc>
+                <a:tc>
+                  <a:txBody>
+                    <a:bodyPr/>
+                    <a:lstStyle/>
+                    <a:p>
+                      <a:r>
+                        <a:rPr lang="nl-BE" sz="1400" dirty="0"/>
+                        <a:t>X</a:t>
+                      </a:r>
+                    </a:p>
+                  </a:txBody>
+                  <a:tcPr/>
+                </a:tc>
+                <a:tc>
+                  <a:txBody>
+                    <a:bodyPr/>
+                    <a:lstStyle/>
+                    <a:p>
+                      <a:r>
+                        <a:rPr lang="nl-BE" sz="1400" dirty="0"/>
+                        <a:t>X</a:t>
+                      </a:r>
+                    </a:p>
+                  </a:txBody>
+                  <a:tcPr/>
+                </a:tc>
+                <a:tc>
+                  <a:txBody>
+                    <a:bodyPr/>
+                    <a:lstStyle/>
+                    <a:p>
+                      <a:r>
+                        <a:rPr lang="nl-BE" sz="1400" dirty="0"/>
+                        <a:t>X</a:t>
+                      </a:r>
+                    </a:p>
+                  </a:txBody>
+                  <a:tcPr/>
+                </a:tc>
+                <a:extLst>
+                  <a:ext uri="{0D108BD9-81ED-4DB2-BD59-A6C34878D82A}">
+                    <a16:rowId xmlns:a16="http://schemas.microsoft.com/office/drawing/2014/main" val="810881827"/>
+                  </a:ext>
+                </a:extLst>
+              </a:tr>
+            </a:tbl>
+          </a:graphicData>
+        </a:graphic>
+      </p:graphicFrame>
+    </p:spTree>
+    <p:extLst>
+      <p:ext uri="{BB962C8B-B14F-4D97-AF65-F5344CB8AC3E}">
+        <p14:creationId xmlns:p14="http://schemas.microsoft.com/office/powerpoint/2010/main" val="1445101650"/>
+      </p:ext>
+    </p:extLst>
+  </p:cSld>
+  <p:clrMapOvr>
+    <a:masterClrMapping/>
+  </p:clrMapOvr>
+</p:sld>
+</file>
+
+<file path=ppt/slides/slide26.xml><?xml version="1.0" encoding="utf-8"?>
+<p:sld xmlns:a="http://schemas.openxmlformats.org/drawingml/2006/main" xmlns:r="http://schemas.openxmlformats.org/officeDocument/2006/relationships" xmlns:p="http://schemas.openxmlformats.org/presentationml/2006/main">
+  <p:cSld>
+    <p:spTree>
+      <p:nvGrpSpPr>
+        <p:cNvPr id="1" name=""/>
+        <p:cNvGrpSpPr/>
+        <p:nvPr/>
+      </p:nvGrpSpPr>
+      <p:grpSpPr>
+        <a:xfrm>
+          <a:off x="0" y="0"/>
+          <a:ext cx="0" cy="0"/>
+          <a:chOff x="0" y="0"/>
+          <a:chExt cx="0" cy="0"/>
+        </a:xfrm>
+      </p:grpSpPr>
+      <p:sp>
+        <p:nvSpPr>
+          <p:cNvPr id="2" name="Titel 1">
+            <a:extLst>
+              <a:ext uri="{FF2B5EF4-FFF2-40B4-BE49-F238E27FC236}">
+                <a16:creationId xmlns:a16="http://schemas.microsoft.com/office/drawing/2014/main" id="{E5B645D6-5C5A-4101-A748-094A119CCA97}"/>
+              </a:ext>
+            </a:extLst>
+          </p:cNvPr>
+          <p:cNvSpPr>
+            <a:spLocks noGrp="1"/>
+          </p:cNvSpPr>
+          <p:nvPr>
+            <p:ph type="title"/>
+          </p:nvPr>
+        </p:nvSpPr>
+        <p:spPr/>
+        <p:txBody>
+          <a:bodyPr/>
+          <a:lstStyle/>
+          <a:p>
+            <a:r>
+              <a:rPr lang="nl-BE" dirty="0"/>
+              <a:t>The big next steps</a:t>
+            </a:r>
+          </a:p>
+        </p:txBody>
+      </p:sp>
+      <p:sp>
+        <p:nvSpPr>
+          <p:cNvPr id="3" name="Tijdelijke aanduiding voor inhoud 2">
+            <a:extLst>
+              <a:ext uri="{FF2B5EF4-FFF2-40B4-BE49-F238E27FC236}">
+                <a16:creationId xmlns:a16="http://schemas.microsoft.com/office/drawing/2014/main" id="{2A95E0D6-6BFF-41DD-8E6D-5A74C6D259D1}"/>
+              </a:ext>
+            </a:extLst>
+          </p:cNvPr>
+          <p:cNvSpPr>
+            <a:spLocks noGrp="1"/>
+          </p:cNvSpPr>
+          <p:nvPr>
+            <p:ph idx="1"/>
+          </p:nvPr>
+        </p:nvSpPr>
+        <p:spPr>
+          <a:xfrm>
+            <a:off x="838200" y="1573212"/>
+            <a:ext cx="10515600" cy="4965700"/>
+          </a:xfrm>
+        </p:spPr>
+        <p:txBody>
+          <a:bodyPr>
+            <a:normAutofit/>
+          </a:bodyPr>
+          <a:lstStyle/>
+          <a:p>
+            <a:pPr marL="514350" indent="-514350">
+              <a:buFont typeface="+mj-lt"/>
+              <a:buAutoNum type="arabicPeriod" startAt="3"/>
+            </a:pPr>
+            <a:r>
+              <a:rPr lang="en-GB" dirty="0"/>
+              <a:t>Conclusions</a:t>
+            </a:r>
+          </a:p>
+          <a:p>
+            <a:pPr lvl="1"/>
+            <a:r>
+              <a:rPr lang="en-GB" dirty="0"/>
+              <a:t>Comparison</a:t>
+            </a:r>
+          </a:p>
+          <a:p>
+            <a:pPr lvl="1"/>
+            <a:r>
+              <a:rPr lang="en-GB" dirty="0"/>
+              <a:t>Is superposition the bottle neck or the uncertainties in the data?</a:t>
+            </a:r>
+          </a:p>
+          <a:p>
+            <a:pPr marL="514350" indent="-514350">
+              <a:buFont typeface="+mj-lt"/>
+              <a:buAutoNum type="arabicPeriod" startAt="3"/>
+            </a:pPr>
+            <a:r>
+              <a:rPr lang="en-GB" dirty="0"/>
+              <a:t>Writing (continuously) </a:t>
+            </a:r>
+          </a:p>
+          <a:p>
+            <a:pPr marL="514350" indent="-514350">
+              <a:buFont typeface="+mj-lt"/>
+              <a:buAutoNum type="arabicPeriod" startAt="3"/>
+            </a:pPr>
+            <a:r>
+              <a:rPr lang="en-GB" dirty="0"/>
+              <a:t>Update literature study/midterm report</a:t>
+            </a:r>
+          </a:p>
+          <a:p>
+            <a:pPr marL="514350" indent="-514350">
+              <a:buFont typeface="+mj-lt"/>
+              <a:buAutoNum type="arabicPeriod" startAt="3"/>
+            </a:pPr>
+            <a:endParaRPr lang="en-GB" dirty="0"/>
+          </a:p>
+          <a:p>
+            <a:pPr marL="514350" indent="-514350">
+              <a:buFont typeface="+mj-lt"/>
+              <a:buAutoNum type="arabicPeriod" startAt="3"/>
+            </a:pPr>
+            <a:endParaRPr lang="en-GB" dirty="0"/>
+          </a:p>
+          <a:p>
+            <a:pPr lvl="2"/>
+            <a:endParaRPr lang="nl-BE" dirty="0"/>
+          </a:p>
+          <a:p>
+            <a:pPr lvl="1"/>
+            <a:endParaRPr lang="nl-BE" dirty="0"/>
+          </a:p>
+        </p:txBody>
+      </p:sp>
+      <p:sp>
+        <p:nvSpPr>
+          <p:cNvPr id="4" name="Tijdelijke aanduiding voor dianummer 3">
+            <a:extLst>
+              <a:ext uri="{FF2B5EF4-FFF2-40B4-BE49-F238E27FC236}">
+                <a16:creationId xmlns:a16="http://schemas.microsoft.com/office/drawing/2014/main" id="{1D778181-80EC-43C8-891B-A6E0D323AA6B}"/>
+              </a:ext>
+            </a:extLst>
+          </p:cNvPr>
+          <p:cNvSpPr>
+            <a:spLocks noGrp="1"/>
+          </p:cNvSpPr>
+          <p:nvPr>
+            <p:ph type="sldNum" sz="quarter" idx="12"/>
+          </p:nvPr>
+        </p:nvSpPr>
+        <p:spPr/>
+        <p:txBody>
+          <a:bodyPr/>
+          <a:lstStyle/>
+          <a:p>
+            <a:fld id="{263F0982-AF32-415A-A1D9-505CA4CFFD1C}" type="slidenum">
+              <a:rPr lang="nl-BE" smtClean="0"/>
+              <a:t>26</a:t>
+            </a:fld>
+            <a:endParaRPr lang="nl-BE"/>
+          </a:p>
+        </p:txBody>
+      </p:sp>
+    </p:spTree>
+    <p:extLst>
+      <p:ext uri="{BB962C8B-B14F-4D97-AF65-F5344CB8AC3E}">
+        <p14:creationId xmlns:p14="http://schemas.microsoft.com/office/powerpoint/2010/main" val="3067148438"/>
       </p:ext>
     </p:extLst>
   </p:cSld>
